--- a/Presentation.pptx
+++ b/Presentation.pptx
@@ -17,23 +17,24 @@
     <p:sldId id="268" r:id="rId11"/>
     <p:sldId id="269" r:id="rId12"/>
     <p:sldId id="270" r:id="rId13"/>
-    <p:sldId id="271" r:id="rId14"/>
-    <p:sldId id="272" r:id="rId15"/>
-    <p:sldId id="273" r:id="rId16"/>
-    <p:sldId id="274" r:id="rId17"/>
-    <p:sldId id="275" r:id="rId18"/>
-    <p:sldId id="276" r:id="rId19"/>
-    <p:sldId id="278" r:id="rId20"/>
-    <p:sldId id="277" r:id="rId21"/>
-    <p:sldId id="279" r:id="rId22"/>
-    <p:sldId id="280" r:id="rId23"/>
-    <p:sldId id="281" r:id="rId24"/>
-    <p:sldId id="282" r:id="rId25"/>
-    <p:sldId id="283" r:id="rId26"/>
-    <p:sldId id="284" r:id="rId27"/>
-    <p:sldId id="285" r:id="rId28"/>
-    <p:sldId id="286" r:id="rId29"/>
-    <p:sldId id="287" r:id="rId30"/>
+    <p:sldId id="288" r:id="rId14"/>
+    <p:sldId id="271" r:id="rId15"/>
+    <p:sldId id="272" r:id="rId16"/>
+    <p:sldId id="273" r:id="rId17"/>
+    <p:sldId id="274" r:id="rId18"/>
+    <p:sldId id="275" r:id="rId19"/>
+    <p:sldId id="276" r:id="rId20"/>
+    <p:sldId id="278" r:id="rId21"/>
+    <p:sldId id="277" r:id="rId22"/>
+    <p:sldId id="279" r:id="rId23"/>
+    <p:sldId id="280" r:id="rId24"/>
+    <p:sldId id="281" r:id="rId25"/>
+    <p:sldId id="282" r:id="rId26"/>
+    <p:sldId id="283" r:id="rId27"/>
+    <p:sldId id="284" r:id="rId28"/>
+    <p:sldId id="285" r:id="rId29"/>
+    <p:sldId id="286" r:id="rId30"/>
+    <p:sldId id="287" r:id="rId31"/>
   </p:sldIdLst>
   <p:sldSz cx="9144000" cy="6858000" type="screen4x3"/>
   <p:notesSz cx="6858000" cy="9144000"/>
@@ -14449,6 +14450,13 @@
   <p:clrMapOvr>
     <a:masterClrMapping/>
   </p:clrMapOvr>
+  <p:timing>
+    <p:tnLst>
+      <p:par>
+        <p:cTn xmlns:p14="http://schemas.microsoft.com/office/powerpoint/2010/main" id="1" dur="indefinite" restart="never" nodeType="tmRoot"/>
+      </p:par>
+    </p:tnLst>
+  </p:timing>
 </p:sld>
 </file>
 
@@ -15251,6 +15259,13 @@
   <p:clrMapOvr>
     <a:masterClrMapping/>
   </p:clrMapOvr>
+  <p:timing>
+    <p:tnLst>
+      <p:par>
+        <p:cTn xmlns:p14="http://schemas.microsoft.com/office/powerpoint/2010/main" id="1" dur="indefinite" restart="never" nodeType="tmRoot"/>
+      </p:par>
+    </p:tnLst>
+  </p:timing>
 </p:sld>
 </file>
 
@@ -15371,6 +15386,13 @@
   <p:clrMapOvr>
     <a:masterClrMapping/>
   </p:clrMapOvr>
+  <p:timing>
+    <p:tnLst>
+      <p:par>
+        <p:cTn xmlns:p14="http://schemas.microsoft.com/office/powerpoint/2010/main" id="1" dur="indefinite" restart="never" nodeType="tmRoot"/>
+      </p:par>
+    </p:tnLst>
+  </p:timing>
 </p:sld>
 </file>
 
@@ -15580,10 +15602,91 @@
   <p:clrMapOvr>
     <a:masterClrMapping/>
   </p:clrMapOvr>
+  <p:timing>
+    <p:tnLst>
+      <p:par>
+        <p:cTn xmlns:p14="http://schemas.microsoft.com/office/powerpoint/2010/main" id="1" dur="indefinite" restart="never" nodeType="tmRoot"/>
+      </p:par>
+    </p:tnLst>
+  </p:timing>
 </p:sld>
 </file>
 
 <file path=ppt/slides/slide13.xml><?xml version="1.0" encoding="utf-8"?>
+<p:sld xmlns:a="http://schemas.openxmlformats.org/drawingml/2006/main" xmlns:r="http://schemas.openxmlformats.org/officeDocument/2006/relationships" xmlns:p="http://schemas.openxmlformats.org/presentationml/2006/main">
+  <p:cSld>
+    <p:spTree>
+      <p:nvGrpSpPr>
+        <p:cNvPr id="1" name=""/>
+        <p:cNvGrpSpPr/>
+        <p:nvPr/>
+      </p:nvGrpSpPr>
+      <p:grpSpPr>
+        <a:xfrm>
+          <a:off x="0" y="0"/>
+          <a:ext cx="0" cy="0"/>
+          <a:chOff x="0" y="0"/>
+          <a:chExt cx="0" cy="0"/>
+        </a:xfrm>
+      </p:grpSpPr>
+      <p:sp>
+        <p:nvSpPr>
+          <p:cNvPr id="2" name="Title 1"/>
+          <p:cNvSpPr>
+            <a:spLocks noGrp="1"/>
+          </p:cNvSpPr>
+          <p:nvPr>
+            <p:ph type="title"/>
+          </p:nvPr>
+        </p:nvSpPr>
+        <p:spPr/>
+        <p:txBody>
+          <a:bodyPr>
+            <a:normAutofit fontScale="90000"/>
+          </a:bodyPr>
+          <a:lstStyle/>
+          <a:p>
+            <a:r>
+              <a:rPr lang="en-US" dirty="0" smtClean="0"/>
+              <a:t>More slides on </a:t>
+            </a:r>
+            <a:r>
+              <a:rPr lang="en-US" altLang="zh-CN" dirty="0" smtClean="0"/>
+              <a:t>variable</a:t>
+            </a:r>
+            <a:r>
+              <a:rPr lang="zh-CN" altLang="en-US" dirty="0" smtClean="0"/>
+              <a:t> </a:t>
+            </a:r>
+            <a:r>
+              <a:rPr lang="en-US" dirty="0" smtClean="0"/>
+              <a:t>correlations</a:t>
+            </a:r>
+            <a:endParaRPr lang="en-US" dirty="0"/>
+          </a:p>
+        </p:txBody>
+      </p:sp>
+    </p:spTree>
+    <p:extLst>
+      <p:ext uri="{BB962C8B-B14F-4D97-AF65-F5344CB8AC3E}">
+        <p14:creationId xmlns:p14="http://schemas.microsoft.com/office/powerpoint/2010/main" val="1549899758"/>
+      </p:ext>
+    </p:extLst>
+  </p:cSld>
+  <p:clrMapOvr>
+    <a:masterClrMapping/>
+  </p:clrMapOvr>
+  <p:timing>
+    <p:tnLst>
+      <p:par>
+        <p:cTn xmlns:p14="http://schemas.microsoft.com/office/powerpoint/2010/main" id="1" dur="indefinite" restart="never" nodeType="tmRoot"/>
+      </p:par>
+    </p:tnLst>
+  </p:timing>
+</p:sld>
+</file>
+
+<file path=ppt/slides/slide14.xml><?xml version="1.0" encoding="utf-8"?>
 <p:sld xmlns:a="http://schemas.openxmlformats.org/drawingml/2006/main" xmlns:r="http://schemas.openxmlformats.org/officeDocument/2006/relationships" xmlns:p="http://schemas.openxmlformats.org/presentationml/2006/main">
   <p:cSld>
     <p:spTree>
@@ -15672,10 +15775,17 @@
   <p:clrMapOvr>
     <a:masterClrMapping/>
   </p:clrMapOvr>
+  <p:timing>
+    <p:tnLst>
+      <p:par>
+        <p:cTn xmlns:p14="http://schemas.microsoft.com/office/powerpoint/2010/main" id="1" dur="indefinite" restart="never" nodeType="tmRoot"/>
+      </p:par>
+    </p:tnLst>
+  </p:timing>
 </p:sld>
 </file>
 
-<file path=ppt/slides/slide14.xml><?xml version="1.0" encoding="utf-8"?>
+<file path=ppt/slides/slide15.xml><?xml version="1.0" encoding="utf-8"?>
 <p:sld xmlns:a="http://schemas.openxmlformats.org/drawingml/2006/main" xmlns:r="http://schemas.openxmlformats.org/officeDocument/2006/relationships" xmlns:p="http://schemas.openxmlformats.org/presentationml/2006/main">
   <p:cSld>
     <p:spTree>
@@ -15810,10 +15920,17 @@
   <p:clrMapOvr>
     <a:masterClrMapping/>
   </p:clrMapOvr>
+  <p:timing>
+    <p:tnLst>
+      <p:par>
+        <p:cTn xmlns:p14="http://schemas.microsoft.com/office/powerpoint/2010/main" id="1" dur="indefinite" restart="never" nodeType="tmRoot"/>
+      </p:par>
+    </p:tnLst>
+  </p:timing>
 </p:sld>
 </file>
 
-<file path=ppt/slides/slide15.xml><?xml version="1.0" encoding="utf-8"?>
+<file path=ppt/slides/slide16.xml><?xml version="1.0" encoding="utf-8"?>
 <p:sld xmlns:a="http://schemas.openxmlformats.org/drawingml/2006/main" xmlns:r="http://schemas.openxmlformats.org/officeDocument/2006/relationships" xmlns:p="http://schemas.openxmlformats.org/presentationml/2006/main">
   <p:cSld>
     <p:spTree>
@@ -15969,10 +16086,17 @@
   <p:clrMapOvr>
     <a:masterClrMapping/>
   </p:clrMapOvr>
+  <p:timing>
+    <p:tnLst>
+      <p:par>
+        <p:cTn xmlns:p14="http://schemas.microsoft.com/office/powerpoint/2010/main" id="1" dur="indefinite" restart="never" nodeType="tmRoot"/>
+      </p:par>
+    </p:tnLst>
+  </p:timing>
 </p:sld>
 </file>
 
-<file path=ppt/slides/slide16.xml><?xml version="1.0" encoding="utf-8"?>
+<file path=ppt/slides/slide17.xml><?xml version="1.0" encoding="utf-8"?>
 <p:sld xmlns:a="http://schemas.openxmlformats.org/drawingml/2006/main" xmlns:r="http://schemas.openxmlformats.org/officeDocument/2006/relationships" xmlns:p="http://schemas.openxmlformats.org/presentationml/2006/main">
   <p:cSld>
     <p:spTree>
@@ -16094,10 +16218,17 @@
   <p:clrMapOvr>
     <a:masterClrMapping/>
   </p:clrMapOvr>
+  <p:timing>
+    <p:tnLst>
+      <p:par>
+        <p:cTn xmlns:p14="http://schemas.microsoft.com/office/powerpoint/2010/main" id="1" dur="indefinite" restart="never" nodeType="tmRoot"/>
+      </p:par>
+    </p:tnLst>
+  </p:timing>
 </p:sld>
 </file>
 
-<file path=ppt/slides/slide17.xml><?xml version="1.0" encoding="utf-8"?>
+<file path=ppt/slides/slide18.xml><?xml version="1.0" encoding="utf-8"?>
 <p:sld xmlns:a="http://schemas.openxmlformats.org/drawingml/2006/main" xmlns:r="http://schemas.openxmlformats.org/officeDocument/2006/relationships" xmlns:p="http://schemas.openxmlformats.org/presentationml/2006/main">
   <p:cSld>
     <p:spTree>
@@ -16232,59 +16363,13 @@
   <p:clrMapOvr>
     <a:masterClrMapping/>
   </p:clrMapOvr>
-</p:sld>
-</file>
-
-<file path=ppt/slides/slide18.xml><?xml version="1.0" encoding="utf-8"?>
-<p:sld xmlns:a="http://schemas.openxmlformats.org/drawingml/2006/main" xmlns:r="http://schemas.openxmlformats.org/officeDocument/2006/relationships" xmlns:p="http://schemas.openxmlformats.org/presentationml/2006/main">
-  <p:cSld>
-    <p:spTree>
-      <p:nvGrpSpPr>
-        <p:cNvPr id="1" name=""/>
-        <p:cNvGrpSpPr/>
-        <p:nvPr/>
-      </p:nvGrpSpPr>
-      <p:grpSpPr>
-        <a:xfrm>
-          <a:off x="0" y="0"/>
-          <a:ext cx="0" cy="0"/>
-          <a:chOff x="0" y="0"/>
-          <a:chExt cx="0" cy="0"/>
-        </a:xfrm>
-      </p:grpSpPr>
-      <p:sp>
-        <p:nvSpPr>
-          <p:cNvPr id="2" name="Title 1"/>
-          <p:cNvSpPr>
-            <a:spLocks noGrp="1"/>
-          </p:cNvSpPr>
-          <p:nvPr>
-            <p:ph type="title"/>
-          </p:nvPr>
-        </p:nvSpPr>
-        <p:spPr/>
-        <p:txBody>
-          <a:bodyPr/>
-          <a:lstStyle/>
-          <a:p>
-            <a:r>
-              <a:rPr lang="en-US" dirty="0" smtClean="0"/>
-              <a:t>Box-cox transformation</a:t>
-            </a:r>
-            <a:endParaRPr lang="en-US" dirty="0"/>
-          </a:p>
-        </p:txBody>
-      </p:sp>
-    </p:spTree>
-    <p:extLst>
-      <p:ext uri="{BB962C8B-B14F-4D97-AF65-F5344CB8AC3E}">
-        <p14:creationId xmlns:p14="http://schemas.microsoft.com/office/powerpoint/2010/main" val="3270077662"/>
-      </p:ext>
-    </p:extLst>
-  </p:cSld>
-  <p:clrMapOvr>
-    <a:masterClrMapping/>
-  </p:clrMapOvr>
+  <p:timing>
+    <p:tnLst>
+      <p:par>
+        <p:cTn xmlns:p14="http://schemas.microsoft.com/office/powerpoint/2010/main" id="1" dur="indefinite" restart="never" nodeType="tmRoot"/>
+      </p:par>
+    </p:tnLst>
+  </p:timing>
 </p:sld>
 </file>
 
@@ -16322,7 +16407,7 @@
           <a:p>
             <a:r>
               <a:rPr lang="en-US" dirty="0" smtClean="0"/>
-              <a:t>Logarithm transformation</a:t>
+              <a:t>Box-cox transformation</a:t>
             </a:r>
             <a:endParaRPr lang="en-US" dirty="0"/>
           </a:p>
@@ -16331,13 +16416,20 @@
     </p:spTree>
     <p:extLst>
       <p:ext uri="{BB962C8B-B14F-4D97-AF65-F5344CB8AC3E}">
-        <p14:creationId xmlns:p14="http://schemas.microsoft.com/office/powerpoint/2010/main" val="1911836078"/>
+        <p14:creationId xmlns:p14="http://schemas.microsoft.com/office/powerpoint/2010/main" val="3270077662"/>
       </p:ext>
     </p:extLst>
   </p:cSld>
   <p:clrMapOvr>
     <a:masterClrMapping/>
   </p:clrMapOvr>
+  <p:timing>
+    <p:tnLst>
+      <p:par>
+        <p:cTn xmlns:p14="http://schemas.microsoft.com/office/powerpoint/2010/main" id="1" dur="indefinite" restart="never" nodeType="tmRoot"/>
+      </p:par>
+    </p:tnLst>
+  </p:timing>
 </p:sld>
 </file>
 
@@ -16454,10 +16546,77 @@
   <p:clrMapOvr>
     <a:masterClrMapping/>
   </p:clrMapOvr>
+  <p:timing>
+    <p:tnLst>
+      <p:par>
+        <p:cTn xmlns:p14="http://schemas.microsoft.com/office/powerpoint/2010/main" id="1" dur="indefinite" restart="never" nodeType="tmRoot"/>
+      </p:par>
+    </p:tnLst>
+  </p:timing>
 </p:sld>
 </file>
 
 <file path=ppt/slides/slide20.xml><?xml version="1.0" encoding="utf-8"?>
+<p:sld xmlns:a="http://schemas.openxmlformats.org/drawingml/2006/main" xmlns:r="http://schemas.openxmlformats.org/officeDocument/2006/relationships" xmlns:p="http://schemas.openxmlformats.org/presentationml/2006/main">
+  <p:cSld>
+    <p:spTree>
+      <p:nvGrpSpPr>
+        <p:cNvPr id="1" name=""/>
+        <p:cNvGrpSpPr/>
+        <p:nvPr/>
+      </p:nvGrpSpPr>
+      <p:grpSpPr>
+        <a:xfrm>
+          <a:off x="0" y="0"/>
+          <a:ext cx="0" cy="0"/>
+          <a:chOff x="0" y="0"/>
+          <a:chExt cx="0" cy="0"/>
+        </a:xfrm>
+      </p:grpSpPr>
+      <p:sp>
+        <p:nvSpPr>
+          <p:cNvPr id="2" name="Title 1"/>
+          <p:cNvSpPr>
+            <a:spLocks noGrp="1"/>
+          </p:cNvSpPr>
+          <p:nvPr>
+            <p:ph type="title"/>
+          </p:nvPr>
+        </p:nvSpPr>
+        <p:spPr/>
+        <p:txBody>
+          <a:bodyPr/>
+          <a:lstStyle/>
+          <a:p>
+            <a:r>
+              <a:rPr lang="en-US" dirty="0" smtClean="0"/>
+              <a:t>Logarithm transformation</a:t>
+            </a:r>
+            <a:endParaRPr lang="en-US" dirty="0"/>
+          </a:p>
+        </p:txBody>
+      </p:sp>
+    </p:spTree>
+    <p:extLst>
+      <p:ext uri="{BB962C8B-B14F-4D97-AF65-F5344CB8AC3E}">
+        <p14:creationId xmlns:p14="http://schemas.microsoft.com/office/powerpoint/2010/main" val="1911836078"/>
+      </p:ext>
+    </p:extLst>
+  </p:cSld>
+  <p:clrMapOvr>
+    <a:masterClrMapping/>
+  </p:clrMapOvr>
+  <p:timing>
+    <p:tnLst>
+      <p:par>
+        <p:cTn xmlns:p14="http://schemas.microsoft.com/office/powerpoint/2010/main" id="1" dur="indefinite" restart="never" nodeType="tmRoot"/>
+      </p:par>
+    </p:tnLst>
+  </p:timing>
+</p:sld>
+</file>
+
+<file path=ppt/slides/slide21.xml><?xml version="1.0" encoding="utf-8"?>
 <p:sld xmlns:a="http://schemas.openxmlformats.org/drawingml/2006/main" xmlns:r="http://schemas.openxmlformats.org/officeDocument/2006/relationships" xmlns:p="http://schemas.openxmlformats.org/presentationml/2006/main">
   <p:cSld>
     <p:spTree>
@@ -16592,59 +16751,13 @@
   <p:clrMapOvr>
     <a:masterClrMapping/>
   </p:clrMapOvr>
-</p:sld>
-</file>
-
-<file path=ppt/slides/slide21.xml><?xml version="1.0" encoding="utf-8"?>
-<p:sld xmlns:a="http://schemas.openxmlformats.org/drawingml/2006/main" xmlns:r="http://schemas.openxmlformats.org/officeDocument/2006/relationships" xmlns:p="http://schemas.openxmlformats.org/presentationml/2006/main">
-  <p:cSld>
-    <p:spTree>
-      <p:nvGrpSpPr>
-        <p:cNvPr id="1" name=""/>
-        <p:cNvGrpSpPr/>
-        <p:nvPr/>
-      </p:nvGrpSpPr>
-      <p:grpSpPr>
-        <a:xfrm>
-          <a:off x="0" y="0"/>
-          <a:ext cx="0" cy="0"/>
-          <a:chOff x="0" y="0"/>
-          <a:chExt cx="0" cy="0"/>
-        </a:xfrm>
-      </p:grpSpPr>
-      <p:sp>
-        <p:nvSpPr>
-          <p:cNvPr id="2" name="Title 1"/>
-          <p:cNvSpPr>
-            <a:spLocks noGrp="1"/>
-          </p:cNvSpPr>
-          <p:nvPr>
-            <p:ph type="title"/>
-          </p:nvPr>
-        </p:nvSpPr>
-        <p:spPr/>
-        <p:txBody>
-          <a:bodyPr/>
-          <a:lstStyle/>
-          <a:p>
-            <a:r>
-              <a:rPr lang="en-US" dirty="0" smtClean="0"/>
-              <a:t>Mixed Stepwise regression</a:t>
-            </a:r>
-            <a:endParaRPr lang="en-US" dirty="0"/>
-          </a:p>
-        </p:txBody>
-      </p:sp>
-    </p:spTree>
-    <p:extLst>
-      <p:ext uri="{BB962C8B-B14F-4D97-AF65-F5344CB8AC3E}">
-        <p14:creationId xmlns:p14="http://schemas.microsoft.com/office/powerpoint/2010/main" val="545943376"/>
-      </p:ext>
-    </p:extLst>
-  </p:cSld>
-  <p:clrMapOvr>
-    <a:masterClrMapping/>
-  </p:clrMapOvr>
+  <p:timing>
+    <p:tnLst>
+      <p:par>
+        <p:cTn xmlns:p14="http://schemas.microsoft.com/office/powerpoint/2010/main" id="1" dur="indefinite" restart="never" nodeType="tmRoot"/>
+      </p:par>
+    </p:tnLst>
+  </p:timing>
 </p:sld>
 </file>
 
@@ -16682,7 +16795,7 @@
           <a:p>
             <a:r>
               <a:rPr lang="en-US" dirty="0" smtClean="0"/>
-              <a:t>Lasso models</a:t>
+              <a:t>Mixed Stepwise regression</a:t>
             </a:r>
             <a:endParaRPr lang="en-US" dirty="0"/>
           </a:p>
@@ -16691,13 +16804,20 @@
     </p:spTree>
     <p:extLst>
       <p:ext uri="{BB962C8B-B14F-4D97-AF65-F5344CB8AC3E}">
-        <p14:creationId xmlns:p14="http://schemas.microsoft.com/office/powerpoint/2010/main" val="1681594449"/>
+        <p14:creationId xmlns:p14="http://schemas.microsoft.com/office/powerpoint/2010/main" val="545943376"/>
       </p:ext>
     </p:extLst>
   </p:cSld>
   <p:clrMapOvr>
     <a:masterClrMapping/>
   </p:clrMapOvr>
+  <p:timing>
+    <p:tnLst>
+      <p:par>
+        <p:cTn xmlns:p14="http://schemas.microsoft.com/office/powerpoint/2010/main" id="1" dur="indefinite" restart="never" nodeType="tmRoot"/>
+      </p:par>
+    </p:tnLst>
+  </p:timing>
 </p:sld>
 </file>
 
@@ -16735,6 +16855,59 @@
           <a:p>
             <a:r>
               <a:rPr lang="en-US" dirty="0" smtClean="0"/>
+              <a:t>Lasso models</a:t>
+            </a:r>
+            <a:endParaRPr lang="en-US" dirty="0"/>
+          </a:p>
+        </p:txBody>
+      </p:sp>
+    </p:spTree>
+    <p:extLst>
+      <p:ext uri="{BB962C8B-B14F-4D97-AF65-F5344CB8AC3E}">
+        <p14:creationId xmlns:p14="http://schemas.microsoft.com/office/powerpoint/2010/main" val="1681594449"/>
+      </p:ext>
+    </p:extLst>
+  </p:cSld>
+  <p:clrMapOvr>
+    <a:masterClrMapping/>
+  </p:clrMapOvr>
+</p:sld>
+</file>
+
+<file path=ppt/slides/slide24.xml><?xml version="1.0" encoding="utf-8"?>
+<p:sld xmlns:a="http://schemas.openxmlformats.org/drawingml/2006/main" xmlns:r="http://schemas.openxmlformats.org/officeDocument/2006/relationships" xmlns:p="http://schemas.openxmlformats.org/presentationml/2006/main">
+  <p:cSld>
+    <p:spTree>
+      <p:nvGrpSpPr>
+        <p:cNvPr id="1" name=""/>
+        <p:cNvGrpSpPr/>
+        <p:nvPr/>
+      </p:nvGrpSpPr>
+      <p:grpSpPr>
+        <a:xfrm>
+          <a:off x="0" y="0"/>
+          <a:ext cx="0" cy="0"/>
+          <a:chOff x="0" y="0"/>
+          <a:chExt cx="0" cy="0"/>
+        </a:xfrm>
+      </p:grpSpPr>
+      <p:sp>
+        <p:nvSpPr>
+          <p:cNvPr id="2" name="Title 1"/>
+          <p:cNvSpPr>
+            <a:spLocks noGrp="1"/>
+          </p:cNvSpPr>
+          <p:nvPr>
+            <p:ph type="title"/>
+          </p:nvPr>
+        </p:nvSpPr>
+        <p:spPr/>
+        <p:txBody>
+          <a:bodyPr/>
+          <a:lstStyle/>
+          <a:p>
+            <a:r>
+              <a:rPr lang="en-US" dirty="0" smtClean="0"/>
               <a:t>other models</a:t>
             </a:r>
             <a:endParaRPr lang="en-US" dirty="0"/>
@@ -16754,7 +16927,7 @@
 </p:sld>
 </file>
 
-<file path=ppt/slides/slide24.xml><?xml version="1.0" encoding="utf-8"?>
+<file path=ppt/slides/slide25.xml><?xml version="1.0" encoding="utf-8"?>
 <p:sld xmlns:a="http://schemas.openxmlformats.org/drawingml/2006/main" xmlns:r="http://schemas.openxmlformats.org/officeDocument/2006/relationships" xmlns:p="http://schemas.openxmlformats.org/presentationml/2006/main">
   <p:cSld>
     <p:spTree>
@@ -16886,59 +17059,6 @@
 </p:sld>
 </file>
 
-<file path=ppt/slides/slide25.xml><?xml version="1.0" encoding="utf-8"?>
-<p:sld xmlns:a="http://schemas.openxmlformats.org/drawingml/2006/main" xmlns:r="http://schemas.openxmlformats.org/officeDocument/2006/relationships" xmlns:p="http://schemas.openxmlformats.org/presentationml/2006/main">
-  <p:cSld>
-    <p:spTree>
-      <p:nvGrpSpPr>
-        <p:cNvPr id="1" name=""/>
-        <p:cNvGrpSpPr/>
-        <p:nvPr/>
-      </p:nvGrpSpPr>
-      <p:grpSpPr>
-        <a:xfrm>
-          <a:off x="0" y="0"/>
-          <a:ext cx="0" cy="0"/>
-          <a:chOff x="0" y="0"/>
-          <a:chExt cx="0" cy="0"/>
-        </a:xfrm>
-      </p:grpSpPr>
-      <p:sp>
-        <p:nvSpPr>
-          <p:cNvPr id="2" name="Title 1"/>
-          <p:cNvSpPr>
-            <a:spLocks noGrp="1"/>
-          </p:cNvSpPr>
-          <p:nvPr>
-            <p:ph type="title"/>
-          </p:nvPr>
-        </p:nvSpPr>
-        <p:spPr/>
-        <p:txBody>
-          <a:bodyPr/>
-          <a:lstStyle/>
-          <a:p>
-            <a:r>
-              <a:rPr lang="en-US" dirty="0" smtClean="0"/>
-              <a:t>Prediction Logics</a:t>
-            </a:r>
-            <a:endParaRPr lang="en-US" dirty="0"/>
-          </a:p>
-        </p:txBody>
-      </p:sp>
-    </p:spTree>
-    <p:extLst>
-      <p:ext uri="{BB962C8B-B14F-4D97-AF65-F5344CB8AC3E}">
-        <p14:creationId xmlns:p14="http://schemas.microsoft.com/office/powerpoint/2010/main" val="3034450375"/>
-      </p:ext>
-    </p:extLst>
-  </p:cSld>
-  <p:clrMapOvr>
-    <a:masterClrMapping/>
-  </p:clrMapOvr>
-</p:sld>
-</file>
-
 <file path=ppt/slides/slide26.xml><?xml version="1.0" encoding="utf-8"?>
 <p:sld xmlns:a="http://schemas.openxmlformats.org/drawingml/2006/main" xmlns:r="http://schemas.openxmlformats.org/officeDocument/2006/relationships" xmlns:p="http://schemas.openxmlformats.org/presentationml/2006/main">
   <p:cSld>
@@ -16973,7 +17093,7 @@
           <a:p>
             <a:r>
               <a:rPr lang="en-US" dirty="0" smtClean="0"/>
-              <a:t>In-sample vs. out-of-sample</a:t>
+              <a:t>Prediction Logics</a:t>
             </a:r>
             <a:endParaRPr lang="en-US" dirty="0"/>
           </a:p>
@@ -16993,6 +17113,59 @@
 </file>
 
 <file path=ppt/slides/slide27.xml><?xml version="1.0" encoding="utf-8"?>
+<p:sld xmlns:a="http://schemas.openxmlformats.org/drawingml/2006/main" xmlns:r="http://schemas.openxmlformats.org/officeDocument/2006/relationships" xmlns:p="http://schemas.openxmlformats.org/presentationml/2006/main">
+  <p:cSld>
+    <p:spTree>
+      <p:nvGrpSpPr>
+        <p:cNvPr id="1" name=""/>
+        <p:cNvGrpSpPr/>
+        <p:nvPr/>
+      </p:nvGrpSpPr>
+      <p:grpSpPr>
+        <a:xfrm>
+          <a:off x="0" y="0"/>
+          <a:ext cx="0" cy="0"/>
+          <a:chOff x="0" y="0"/>
+          <a:chExt cx="0" cy="0"/>
+        </a:xfrm>
+      </p:grpSpPr>
+      <p:sp>
+        <p:nvSpPr>
+          <p:cNvPr id="2" name="Title 1"/>
+          <p:cNvSpPr>
+            <a:spLocks noGrp="1"/>
+          </p:cNvSpPr>
+          <p:nvPr>
+            <p:ph type="title"/>
+          </p:nvPr>
+        </p:nvSpPr>
+        <p:spPr/>
+        <p:txBody>
+          <a:bodyPr/>
+          <a:lstStyle/>
+          <a:p>
+            <a:r>
+              <a:rPr lang="en-US" dirty="0" smtClean="0"/>
+              <a:t>In-sample vs. out-of-sample</a:t>
+            </a:r>
+            <a:endParaRPr lang="en-US" dirty="0"/>
+          </a:p>
+        </p:txBody>
+      </p:sp>
+    </p:spTree>
+    <p:extLst>
+      <p:ext uri="{BB962C8B-B14F-4D97-AF65-F5344CB8AC3E}">
+        <p14:creationId xmlns:p14="http://schemas.microsoft.com/office/powerpoint/2010/main" val="3034450375"/>
+      </p:ext>
+    </p:extLst>
+  </p:cSld>
+  <p:clrMapOvr>
+    <a:masterClrMapping/>
+  </p:clrMapOvr>
+</p:sld>
+</file>
+
+<file path=ppt/slides/slide28.xml><?xml version="1.0" encoding="utf-8"?>
 <p:sld xmlns:a="http://schemas.openxmlformats.org/drawingml/2006/main" xmlns:r="http://schemas.openxmlformats.org/officeDocument/2006/relationships" xmlns:p="http://schemas.openxmlformats.org/presentationml/2006/main">
   <p:cSld>
     <p:spTree>
@@ -17124,7 +17297,7 @@
 </p:sld>
 </file>
 
-<file path=ppt/slides/slide28.xml><?xml version="1.0" encoding="utf-8"?>
+<file path=ppt/slides/slide29.xml><?xml version="1.0" encoding="utf-8"?>
 <p:sld xmlns:a="http://schemas.openxmlformats.org/drawingml/2006/main" xmlns:r="http://schemas.openxmlformats.org/officeDocument/2006/relationships" xmlns:p="http://schemas.openxmlformats.org/presentationml/2006/main">
   <p:cSld>
     <p:spTree>
@@ -17170,61 +17343,6 @@
     <p:extLst>
       <p:ext uri="{BB962C8B-B14F-4D97-AF65-F5344CB8AC3E}">
         <p14:creationId xmlns:p14="http://schemas.microsoft.com/office/powerpoint/2010/main" val="2315617438"/>
-      </p:ext>
-    </p:extLst>
-  </p:cSld>
-  <p:clrMapOvr>
-    <a:masterClrMapping/>
-  </p:clrMapOvr>
-</p:sld>
-</file>
-
-<file path=ppt/slides/slide29.xml><?xml version="1.0" encoding="utf-8"?>
-<p:sld xmlns:a="http://schemas.openxmlformats.org/drawingml/2006/main" xmlns:r="http://schemas.openxmlformats.org/officeDocument/2006/relationships" xmlns:p="http://schemas.openxmlformats.org/presentationml/2006/main">
-  <p:cSld>
-    <p:spTree>
-      <p:nvGrpSpPr>
-        <p:cNvPr id="1" name=""/>
-        <p:cNvGrpSpPr/>
-        <p:nvPr/>
-      </p:nvGrpSpPr>
-      <p:grpSpPr>
-        <a:xfrm>
-          <a:off x="0" y="0"/>
-          <a:ext cx="0" cy="0"/>
-          <a:chOff x="0" y="0"/>
-          <a:chExt cx="0" cy="0"/>
-        </a:xfrm>
-      </p:grpSpPr>
-      <p:sp>
-        <p:nvSpPr>
-          <p:cNvPr id="2" name="Title 1"/>
-          <p:cNvSpPr>
-            <a:spLocks noGrp="1"/>
-          </p:cNvSpPr>
-          <p:nvPr>
-            <p:ph type="title"/>
-          </p:nvPr>
-        </p:nvSpPr>
-        <p:spPr/>
-        <p:txBody>
-          <a:bodyPr>
-            <a:normAutofit/>
-          </a:bodyPr>
-          <a:lstStyle/>
-          <a:p>
-            <a:r>
-              <a:rPr lang="en-US" dirty="0" smtClean="0"/>
-              <a:t>Implication</a:t>
-            </a:r>
-            <a:endParaRPr lang="en-US" dirty="0"/>
-          </a:p>
-        </p:txBody>
-      </p:sp>
-    </p:spTree>
-    <p:extLst>
-      <p:ext uri="{BB962C8B-B14F-4D97-AF65-F5344CB8AC3E}">
-        <p14:creationId xmlns:p14="http://schemas.microsoft.com/office/powerpoint/2010/main" val="3660570210"/>
       </p:ext>
     </p:extLst>
   </p:cSld>
@@ -17374,6 +17492,68 @@
     <p:extLst>
       <p:ext uri="{BB962C8B-B14F-4D97-AF65-F5344CB8AC3E}">
         <p14:creationId xmlns:p14="http://schemas.microsoft.com/office/powerpoint/2010/main" val="3265127985"/>
+      </p:ext>
+    </p:extLst>
+  </p:cSld>
+  <p:clrMapOvr>
+    <a:masterClrMapping/>
+  </p:clrMapOvr>
+  <p:timing>
+    <p:tnLst>
+      <p:par>
+        <p:cTn xmlns:p14="http://schemas.microsoft.com/office/powerpoint/2010/main" id="1" dur="indefinite" restart="never" nodeType="tmRoot"/>
+      </p:par>
+    </p:tnLst>
+  </p:timing>
+</p:sld>
+</file>
+
+<file path=ppt/slides/slide30.xml><?xml version="1.0" encoding="utf-8"?>
+<p:sld xmlns:a="http://schemas.openxmlformats.org/drawingml/2006/main" xmlns:r="http://schemas.openxmlformats.org/officeDocument/2006/relationships" xmlns:p="http://schemas.openxmlformats.org/presentationml/2006/main">
+  <p:cSld>
+    <p:spTree>
+      <p:nvGrpSpPr>
+        <p:cNvPr id="1" name=""/>
+        <p:cNvGrpSpPr/>
+        <p:nvPr/>
+      </p:nvGrpSpPr>
+      <p:grpSpPr>
+        <a:xfrm>
+          <a:off x="0" y="0"/>
+          <a:ext cx="0" cy="0"/>
+          <a:chOff x="0" y="0"/>
+          <a:chExt cx="0" cy="0"/>
+        </a:xfrm>
+      </p:grpSpPr>
+      <p:sp>
+        <p:nvSpPr>
+          <p:cNvPr id="2" name="Title 1"/>
+          <p:cNvSpPr>
+            <a:spLocks noGrp="1"/>
+          </p:cNvSpPr>
+          <p:nvPr>
+            <p:ph type="title"/>
+          </p:nvPr>
+        </p:nvSpPr>
+        <p:spPr/>
+        <p:txBody>
+          <a:bodyPr>
+            <a:normAutofit/>
+          </a:bodyPr>
+          <a:lstStyle/>
+          <a:p>
+            <a:r>
+              <a:rPr lang="en-US" dirty="0" smtClean="0"/>
+              <a:t>Implication</a:t>
+            </a:r>
+            <a:endParaRPr lang="en-US" dirty="0"/>
+          </a:p>
+        </p:txBody>
+      </p:sp>
+    </p:spTree>
+    <p:extLst>
+      <p:ext uri="{BB962C8B-B14F-4D97-AF65-F5344CB8AC3E}">
+        <p14:creationId xmlns:p14="http://schemas.microsoft.com/office/powerpoint/2010/main" val="3660570210"/>
       </p:ext>
     </p:extLst>
   </p:cSld>
@@ -17519,6 +17699,13 @@
   <p:clrMapOvr>
     <a:masterClrMapping/>
   </p:clrMapOvr>
+  <p:timing>
+    <p:tnLst>
+      <p:par>
+        <p:cTn xmlns:p14="http://schemas.microsoft.com/office/powerpoint/2010/main" id="1" dur="indefinite" restart="never" nodeType="tmRoot"/>
+      </p:par>
+    </p:tnLst>
+  </p:timing>
 </p:sld>
 </file>
 
@@ -18168,6 +18355,13 @@
   <p:clrMapOvr>
     <a:masterClrMapping/>
   </p:clrMapOvr>
+  <p:timing>
+    <p:tnLst>
+      <p:par>
+        <p:cTn xmlns:p14="http://schemas.microsoft.com/office/powerpoint/2010/main" id="1" dur="indefinite" restart="never" nodeType="tmRoot"/>
+      </p:par>
+    </p:tnLst>
+  </p:timing>
 </p:sld>
 </file>
 
@@ -18752,6 +18946,13 @@
   <p:clrMapOvr>
     <a:masterClrMapping/>
   </p:clrMapOvr>
+  <p:timing>
+    <p:tnLst>
+      <p:par>
+        <p:cTn xmlns:p14="http://schemas.microsoft.com/office/powerpoint/2010/main" id="1" dur="indefinite" restart="never" nodeType="tmRoot"/>
+      </p:par>
+    </p:tnLst>
+  </p:timing>
 </p:sld>
 </file>
 
@@ -19072,6 +19273,13 @@
   <p:clrMapOvr>
     <a:masterClrMapping/>
   </p:clrMapOvr>
+  <p:timing>
+    <p:tnLst>
+      <p:par>
+        <p:cTn xmlns:p14="http://schemas.microsoft.com/office/powerpoint/2010/main" id="1" dur="indefinite" restart="never" nodeType="tmRoot"/>
+      </p:par>
+    </p:tnLst>
+  </p:timing>
 </p:sld>
 </file>
 
@@ -19345,6 +19553,13 @@
   <p:clrMapOvr>
     <a:masterClrMapping/>
   </p:clrMapOvr>
+  <p:timing>
+    <p:tnLst>
+      <p:par>
+        <p:cTn xmlns:p14="http://schemas.microsoft.com/office/powerpoint/2010/main" id="1" dur="indefinite" restart="never" nodeType="tmRoot"/>
+      </p:par>
+    </p:tnLst>
+  </p:timing>
 </p:sld>
 </file>
 
@@ -19464,6 +19679,13 @@
   <p:clrMapOvr>
     <a:masterClrMapping/>
   </p:clrMapOvr>
+  <p:timing>
+    <p:tnLst>
+      <p:par>
+        <p:cTn xmlns:p14="http://schemas.microsoft.com/office/powerpoint/2010/main" id="1" dur="indefinite" restart="never" nodeType="tmRoot"/>
+      </p:par>
+    </p:tnLst>
+  </p:timing>
 </p:sld>
 </file>
 
